--- a/NEO4J TUTORIAL_97_SLIDE.pptx
+++ b/NEO4J TUTORIAL_97_SLIDE.pptx
@@ -5069,12 +5069,12 @@
           <a:chExt cx="0" cy="0"/>
         </a:xfrm>
       </p:grpSpPr>
-      <p:sp>
-        <p:nvSpPr>
-          <p:cNvPr id="137" name="Rectangle 136">
-            <a:extLst>
-              <a:ext uri="{FF2B5EF4-FFF2-40B4-BE49-F238E27FC236}">
-                <a16:creationId xmlns:a16="http://schemas.microsoft.com/office/drawing/2014/main" id="{EBF87945-A001-489F-9D9B-7D9435F0B9CA}"/>
+      <p:sp useBgFill="1">
+        <p:nvSpPr>
+          <p:cNvPr id="139" name="Rectangle 77">
+            <a:extLst>
+              <a:ext uri="{FF2B5EF4-FFF2-40B4-BE49-F238E27FC236}">
+                <a16:creationId xmlns:a16="http://schemas.microsoft.com/office/drawing/2014/main" id="{094FD356-A887-4566-9023-99A5B3A7B8C5}"/>
               </a:ext>
               <a:ext uri="{C183D7F6-B498-43B3-948B-1728B52AA6E4}">
                 <adec:decorative xmlns:adec="http://schemas.microsoft.com/office/drawing/2017/decorative" val="1"/>
@@ -5094,21 +5094,31 @@
         </p:nvSpPr>
         <p:spPr>
           <a:xfrm>
-            <a:off x="548639" y="347471"/>
-            <a:ext cx="11100816" cy="1801368"/>
+            <a:off x="0" y="0"/>
+            <a:ext cx="12192000" cy="6858000"/>
           </a:xfrm>
           <a:prstGeom prst="rect">
             <a:avLst/>
           </a:prstGeom>
-          <a:solidFill>
-            <a:schemeClr val="tx1">
-              <a:lumMod val="75000"/>
-              <a:lumOff val="25000"/>
-            </a:schemeClr>
-          </a:solidFill>
-          <a:ln>
+          <a:ln w="12700" cap="flat" cmpd="sng" algn="ctr">
             <a:noFill/>
+            <a:prstDash val="solid"/>
+            <a:miter lim="800000"/>
           </a:ln>
+          <a:effectLst/>
+          <a:extLst>
+            <a:ext uri="{91240B29-F687-4F45-9708-019B960494DF}">
+              <a14:hiddenLine xmlns:a14="http://schemas.microsoft.com/office/drawing/2010/main" w="12700" cap="flat" cmpd="sng" algn="ctr">
+                <a:solidFill>
+                  <a:schemeClr val="accent1">
+                    <a:shade val="50000"/>
+                  </a:schemeClr>
+                </a:solidFill>
+                <a:prstDash val="solid"/>
+                <a:miter lim="800000"/>
+              </a14:hiddenLine>
+            </a:ext>
+          </a:extLst>
         </p:spPr>
         <p:style>
           <a:lnRef idx="2">
@@ -5135,26 +5145,320 @@
           </a:p>
         </p:txBody>
       </p:sp>
-      <p:sp>
-        <p:nvSpPr>
-          <p:cNvPr id="2" name="Title 1">
-            <a:extLst>
-              <a:ext uri="{FF2B5EF4-FFF2-40B4-BE49-F238E27FC236}">
-                <a16:creationId xmlns:a16="http://schemas.microsoft.com/office/drawing/2014/main" id="{09568CDD-94B7-0546-B7BE-338FF3C1F839}"/>
-              </a:ext>
-            </a:extLst>
-          </p:cNvPr>
-          <p:cNvSpPr>
-            <a:spLocks noGrp="1"/>
-          </p:cNvSpPr>
-          <p:nvPr>
-            <p:ph type="title"/>
+      <p:grpSp>
+        <p:nvGrpSpPr>
+          <p:cNvPr id="140" name="Group 79">
+            <a:extLst>
+              <a:ext uri="{FF2B5EF4-FFF2-40B4-BE49-F238E27FC236}">
+                <a16:creationId xmlns:a16="http://schemas.microsoft.com/office/drawing/2014/main" id="{D2A542E6-1924-4FE2-89D1-3CB19468C1F6}"/>
+              </a:ext>
+              <a:ext uri="{C183D7F6-B498-43B3-948B-1728B52AA6E4}">
+                <adec:decorative xmlns:adec="http://schemas.microsoft.com/office/drawing/2017/decorative" val="1"/>
+              </a:ext>
+            </a:extLst>
+          </p:cNvPr>
+          <p:cNvGrpSpPr>
+            <a:grpSpLocks noGrp="1" noUngrp="1" noRot="1" noChangeAspect="1" noMove="1" noResize="1"/>
+          </p:cNvGrpSpPr>
+          <p:nvPr>
+            <p:extLst>
+              <p:ext uri="{386F3935-93C4-4BCD-93E2-E3B085C9AB24}">
+                <p16:designElem xmlns:p16="http://schemas.microsoft.com/office/powerpoint/2015/main" val="1"/>
+              </p:ext>
+            </p:extLst>
+          </p:nvPr>
+        </p:nvGrpSpPr>
+        <p:grpSpPr>
+          <a:xfrm>
+            <a:off x="0" y="0"/>
+            <a:ext cx="12192000" cy="6858000"/>
+            <a:chOff x="0" y="0"/>
+            <a:chExt cx="12192000" cy="6858000"/>
+          </a:xfrm>
+        </p:grpSpPr>
+        <p:sp>
+          <p:nvSpPr>
+            <p:cNvPr id="81" name="Rectangle 80">
+              <a:extLst>
+                <a:ext uri="{FF2B5EF4-FFF2-40B4-BE49-F238E27FC236}">
+                  <a16:creationId xmlns:a16="http://schemas.microsoft.com/office/drawing/2014/main" id="{1F353183-2147-472B-AD7D-4A085FF6A42E}"/>
+                </a:ext>
+                <a:ext uri="{C183D7F6-B498-43B3-948B-1728B52AA6E4}">
+                  <adec:decorative xmlns:adec="http://schemas.microsoft.com/office/drawing/2017/decorative" val="1"/>
+                </a:ext>
+              </a:extLst>
+            </p:cNvPr>
+            <p:cNvSpPr/>
+            <p:nvPr>
+              <p:extLst>
+                <p:ext uri="{386F3935-93C4-4BCD-93E2-E3B085C9AB24}">
+                  <p16:designElem xmlns:p16="http://schemas.microsoft.com/office/powerpoint/2015/main" val="1"/>
+                </p:ext>
+              </p:extLst>
+            </p:nvPr>
+          </p:nvSpPr>
+          <p:spPr>
+            <a:xfrm>
+              <a:off x="0" y="0"/>
+              <a:ext cx="12192000" cy="6858000"/>
+            </a:xfrm>
+            <a:prstGeom prst="rect">
+              <a:avLst/>
+            </a:prstGeom>
+            <a:solidFill>
+              <a:schemeClr val="bg1">
+                <a:lumMod val="95000"/>
+              </a:schemeClr>
+            </a:solidFill>
+            <a:ln>
+              <a:noFill/>
+            </a:ln>
+          </p:spPr>
+          <p:style>
+            <a:lnRef idx="2">
+              <a:schemeClr val="accent1">
+                <a:shade val="50000"/>
+              </a:schemeClr>
+            </a:lnRef>
+            <a:fillRef idx="1">
+              <a:schemeClr val="accent1"/>
+            </a:fillRef>
+            <a:effectRef idx="0">
+              <a:schemeClr val="accent1"/>
+            </a:effectRef>
+            <a:fontRef idx="minor">
+              <a:schemeClr val="lt1"/>
+            </a:fontRef>
+          </p:style>
+          <p:txBody>
+            <a:bodyPr rtlCol="0" anchor="ctr"/>
+            <a:lstStyle/>
+            <a:p>
+              <a:pPr algn="ctr"/>
+              <a:endParaRPr lang="en-US"/>
+            </a:p>
+          </p:txBody>
+        </p:sp>
+        <p:sp>
+          <p:nvSpPr>
+            <p:cNvPr id="82" name="Rectangle 81">
+              <a:extLst>
+                <a:ext uri="{FF2B5EF4-FFF2-40B4-BE49-F238E27FC236}">
+                  <a16:creationId xmlns:a16="http://schemas.microsoft.com/office/drawing/2014/main" id="{FAAA42C8-A082-4DFD-A5F3-FC9EF825B1DB}"/>
+                </a:ext>
+                <a:ext uri="{C183D7F6-B498-43B3-948B-1728B52AA6E4}">
+                  <adec:decorative xmlns:adec="http://schemas.microsoft.com/office/drawing/2017/decorative" val="1"/>
+                </a:ext>
+              </a:extLst>
+            </p:cNvPr>
+            <p:cNvSpPr/>
+            <p:nvPr>
+              <p:extLst>
+                <p:ext uri="{386F3935-93C4-4BCD-93E2-E3B085C9AB24}">
+                  <p16:designElem xmlns:p16="http://schemas.microsoft.com/office/powerpoint/2015/main" val="1"/>
+                </p:ext>
+              </p:extLst>
+            </p:nvPr>
+          </p:nvSpPr>
+          <p:spPr>
+            <a:xfrm>
+              <a:off x="0" y="0"/>
+              <a:ext cx="12192000" cy="6858000"/>
+            </a:xfrm>
+            <a:prstGeom prst="rect">
+              <a:avLst/>
+            </a:prstGeom>
+            <a:solidFill>
+              <a:schemeClr val="accent4">
+                <a:lumMod val="75000"/>
+                <a:alpha val="7000"/>
+              </a:schemeClr>
+            </a:solidFill>
+            <a:ln>
+              <a:noFill/>
+            </a:ln>
+          </p:spPr>
+          <p:style>
+            <a:lnRef idx="2">
+              <a:schemeClr val="accent1">
+                <a:shade val="50000"/>
+              </a:schemeClr>
+            </a:lnRef>
+            <a:fillRef idx="1">
+              <a:schemeClr val="accent1"/>
+            </a:fillRef>
+            <a:effectRef idx="0">
+              <a:schemeClr val="accent1"/>
+            </a:effectRef>
+            <a:fontRef idx="minor">
+              <a:schemeClr val="lt1"/>
+            </a:fontRef>
+          </p:style>
+          <p:txBody>
+            <a:bodyPr rtlCol="0" anchor="ctr"/>
+            <a:lstStyle/>
+            <a:p>
+              <a:pPr algn="ctr"/>
+              <a:endParaRPr lang="en-US"/>
+            </a:p>
+          </p:txBody>
+        </p:sp>
+      </p:grpSp>
+      <p:sp>
+        <p:nvSpPr>
+          <p:cNvPr id="84" name="Rectangle 83">
+            <a:extLst>
+              <a:ext uri="{FF2B5EF4-FFF2-40B4-BE49-F238E27FC236}">
+                <a16:creationId xmlns:a16="http://schemas.microsoft.com/office/drawing/2014/main" id="{E46B98A5-2874-4160-A801-37F774304EC1}"/>
+              </a:ext>
+              <a:ext uri="{C183D7F6-B498-43B3-948B-1728B52AA6E4}">
+                <adec:decorative xmlns:adec="http://schemas.microsoft.com/office/drawing/2017/decorative" val="1"/>
+              </a:ext>
+            </a:extLst>
+          </p:cNvPr>
+          <p:cNvSpPr>
+            <a:spLocks noGrp="1" noRot="1" noChangeAspect="1" noMove="1" noResize="1" noEditPoints="1" noAdjustHandles="1" noChangeArrowheads="1" noChangeShapeType="1" noTextEdit="1"/>
+          </p:cNvSpPr>
+          <p:nvPr>
+            <p:extLst>
+              <p:ext uri="{386F3935-93C4-4BCD-93E2-E3B085C9AB24}">
+                <p16:designElem xmlns:p16="http://schemas.microsoft.com/office/powerpoint/2015/main" val="1"/>
+              </p:ext>
+            </p:extLst>
           </p:nvPr>
         </p:nvSpPr>
         <p:spPr>
           <a:xfrm>
-            <a:off x="838200" y="585216"/>
-            <a:ext cx="10515600" cy="1325563"/>
+            <a:off x="550862" y="549276"/>
+            <a:ext cx="7200149" cy="5759449"/>
+          </a:xfrm>
+          <a:prstGeom prst="rect">
+            <a:avLst/>
+          </a:prstGeom>
+          <a:solidFill>
+            <a:schemeClr val="bg1"/>
+          </a:solidFill>
+          <a:ln>
+            <a:noFill/>
+          </a:ln>
+          <a:effectLst>
+            <a:outerShdw blurRad="508000" dist="101600" dir="5400000" algn="tl" rotWithShape="0">
+              <a:prstClr val="black">
+                <a:alpha val="10000"/>
+              </a:prstClr>
+            </a:outerShdw>
+          </a:effectLst>
+        </p:spPr>
+        <p:style>
+          <a:lnRef idx="2">
+            <a:schemeClr val="accent1">
+              <a:shade val="50000"/>
+            </a:schemeClr>
+          </a:lnRef>
+          <a:fillRef idx="1">
+            <a:schemeClr val="accent1"/>
+          </a:fillRef>
+          <a:effectRef idx="0">
+            <a:schemeClr val="accent1"/>
+          </a:effectRef>
+          <a:fontRef idx="minor">
+            <a:schemeClr val="lt1"/>
+          </a:fontRef>
+        </p:style>
+        <p:txBody>
+          <a:bodyPr rtlCol="0" anchor="ctr"/>
+          <a:lstStyle/>
+          <a:p>
+            <a:pPr algn="ctr"/>
+            <a:endParaRPr lang="en-US"/>
+          </a:p>
+        </p:txBody>
+      </p:sp>
+      <p:sp>
+        <p:nvSpPr>
+          <p:cNvPr id="2" name="Title 1">
+            <a:extLst>
+              <a:ext uri="{FF2B5EF4-FFF2-40B4-BE49-F238E27FC236}">
+                <a16:creationId xmlns:a16="http://schemas.microsoft.com/office/drawing/2014/main" id="{09568CDD-94B7-0546-B7BE-338FF3C1F839}"/>
+              </a:ext>
+            </a:extLst>
+          </p:cNvPr>
+          <p:cNvSpPr>
+            <a:spLocks noGrp="1"/>
+          </p:cNvSpPr>
+          <p:nvPr>
+            <p:ph type="title"/>
+          </p:nvPr>
+        </p:nvSpPr>
+        <p:spPr>
+          <a:xfrm>
+            <a:off x="1090613" y="1018724"/>
+            <a:ext cx="6115890" cy="539750"/>
+          </a:xfrm>
+        </p:spPr>
+        <p:txBody>
+          <a:bodyPr vert="horz" lIns="91440" tIns="45720" rIns="91440" bIns="45720" rtlCol="0" anchor="t">
+            <a:normAutofit/>
+          </a:bodyPr>
+          <a:lstStyle/>
+          <a:p>
+            <a:r>
+              <a:rPr lang="de-DE" sz="1500"/>
+              <a:t>Create Multiple Nodes In Neo4j Graph From Csv Input Using Apoc Procedure &amp; Python</a:t>
+            </a:r>
+          </a:p>
+        </p:txBody>
+      </p:sp>
+      <p:pic>
+        <p:nvPicPr>
+          <p:cNvPr id="9" name="Picture 8" descr="Graphical user interface, text, application, email&#10;&#10;Description automatically generated">
+            <a:extLst>
+              <a:ext uri="{FF2B5EF4-FFF2-40B4-BE49-F238E27FC236}">
+                <a16:creationId xmlns:a16="http://schemas.microsoft.com/office/drawing/2014/main" id="{B87734C2-AF52-EA42-8D24-6C767DE6DEE7}"/>
+              </a:ext>
+            </a:extLst>
+          </p:cNvPr>
+          <p:cNvPicPr>
+            <a:picLocks noChangeAspect="1"/>
+          </p:cNvPicPr>
+          <p:nvPr/>
+        </p:nvPicPr>
+        <p:blipFill rotWithShape="1">
+          <a:blip r:embed="rId2"/>
+          <a:srcRect r="20114" b="2"/>
+          <a:stretch/>
+        </p:blipFill>
+        <p:spPr>
+          <a:xfrm>
+            <a:off x="550863" y="1844675"/>
+            <a:ext cx="7200900" cy="4461846"/>
+          </a:xfrm>
+          <a:prstGeom prst="rect">
+            <a:avLst/>
+          </a:prstGeom>
+          <a:effectLst/>
+        </p:spPr>
+      </p:pic>
+      <p:sp>
+        <p:nvSpPr>
+          <p:cNvPr id="4" name="Date Placeholder 3">
+            <a:extLst>
+              <a:ext uri="{FF2B5EF4-FFF2-40B4-BE49-F238E27FC236}">
+                <a16:creationId xmlns:a16="http://schemas.microsoft.com/office/drawing/2014/main" id="{76BB04DB-55E6-C044-A24D-B85C29EF8240}"/>
+              </a:ext>
+            </a:extLst>
+          </p:cNvPr>
+          <p:cNvSpPr>
+            <a:spLocks noGrp="1"/>
+          </p:cNvSpPr>
+          <p:nvPr>
+            <p:ph type="dt" sz="half" idx="10"/>
+          </p:nvPr>
+        </p:nvSpPr>
+        <p:spPr>
+          <a:xfrm rot="16200000">
+            <a:off x="-2605087" y="3154363"/>
+            <a:ext cx="5759452" cy="549275"/>
           </a:xfrm>
         </p:spPr>
         <p:txBody>
@@ -5163,221 +5467,118 @@
           </a:bodyPr>
           <a:lstStyle/>
           <a:p>
-            <a:r>
-              <a:rPr lang="de-DE" dirty="0">
-                <a:solidFill>
-                  <a:schemeClr val="bg1"/>
-                </a:solidFill>
-              </a:rPr>
-              <a:t>Create Multiple Nodes In Neo4j Graph </a:t>
-            </a:r>
-            <a:r>
-              <a:rPr lang="de-DE" dirty="0" err="1">
-                <a:solidFill>
-                  <a:schemeClr val="bg1"/>
-                </a:solidFill>
-              </a:rPr>
-              <a:t>From</a:t>
-            </a:r>
-            <a:r>
-              <a:rPr lang="de-DE" dirty="0">
-                <a:solidFill>
-                  <a:schemeClr val="bg1"/>
-                </a:solidFill>
-              </a:rPr>
-              <a:t> </a:t>
-            </a:r>
-            <a:r>
-              <a:rPr lang="de-DE" dirty="0" err="1">
-                <a:solidFill>
-                  <a:schemeClr val="bg1"/>
-                </a:solidFill>
-              </a:rPr>
-              <a:t>Csv</a:t>
-            </a:r>
-            <a:r>
-              <a:rPr lang="de-DE" dirty="0">
-                <a:solidFill>
-                  <a:schemeClr val="bg1"/>
-                </a:solidFill>
-              </a:rPr>
-              <a:t> Input </a:t>
-            </a:r>
-            <a:r>
-              <a:rPr lang="de-DE" dirty="0" err="1">
-                <a:solidFill>
-                  <a:schemeClr val="bg1"/>
-                </a:solidFill>
-              </a:rPr>
-              <a:t>Using</a:t>
-            </a:r>
-            <a:r>
-              <a:rPr lang="de-DE" dirty="0">
-                <a:solidFill>
-                  <a:schemeClr val="bg1"/>
-                </a:solidFill>
-              </a:rPr>
-              <a:t> </a:t>
-            </a:r>
-            <a:r>
-              <a:rPr lang="de-DE" dirty="0" err="1">
-                <a:solidFill>
-                  <a:schemeClr val="bg1"/>
-                </a:solidFill>
-              </a:rPr>
-              <a:t>Apoc</a:t>
-            </a:r>
-            <a:r>
-              <a:rPr lang="de-DE" dirty="0">
-                <a:solidFill>
-                  <a:schemeClr val="bg1"/>
-                </a:solidFill>
-              </a:rPr>
-              <a:t> </a:t>
-            </a:r>
-            <a:r>
-              <a:rPr lang="de-DE" dirty="0" err="1">
-                <a:solidFill>
-                  <a:schemeClr val="bg1"/>
-                </a:solidFill>
-              </a:rPr>
-              <a:t>Procedure</a:t>
-            </a:r>
-            <a:r>
-              <a:rPr lang="de-DE" dirty="0">
-                <a:solidFill>
-                  <a:schemeClr val="bg1"/>
-                </a:solidFill>
-              </a:rPr>
-              <a:t> &amp; Python</a:t>
-            </a:r>
-          </a:p>
-        </p:txBody>
-      </p:sp>
-      <p:sp>
-        <p:nvSpPr>
-          <p:cNvPr id="7" name="Content Placeholder 6">
-            <a:extLst>
-              <a:ext uri="{FF2B5EF4-FFF2-40B4-BE49-F238E27FC236}">
-                <a16:creationId xmlns:a16="http://schemas.microsoft.com/office/drawing/2014/main" id="{2F6C79DC-0AE9-6A47-95D0-4B5D9AA5BDF0}"/>
-              </a:ext>
-            </a:extLst>
-          </p:cNvPr>
-          <p:cNvSpPr>
-            <a:spLocks noGrp="1"/>
-          </p:cNvSpPr>
-          <p:nvPr>
-            <p:ph idx="1"/>
-          </p:nvPr>
-        </p:nvSpPr>
-        <p:spPr>
-          <a:xfrm>
-            <a:off x="9504218" y="2743200"/>
-            <a:ext cx="1846534" cy="3433762"/>
-          </a:xfrm>
-        </p:spPr>
-        <p:txBody>
-          <a:bodyPr vert="horz" lIns="91440" tIns="45720" rIns="91440" bIns="45720" rtlCol="0" anchor="ctr">
-            <a:normAutofit/>
-          </a:bodyPr>
-          <a:lstStyle/>
-          <a:p>
-            <a:pPr marL="0" indent="0">
-              <a:buNone/>
-            </a:pPr>
-            <a:endParaRPr lang="en-US" sz="2200" kern="1200" dirty="0">
-              <a:latin typeface="+mn-lt"/>
-              <a:ea typeface="+mn-ea"/>
-              <a:cs typeface="+mn-cs"/>
-            </a:endParaRPr>
-          </a:p>
-          <a:p>
-            <a:pPr marL="0" indent="0">
-              <a:buNone/>
-            </a:pPr>
-            <a:endParaRPr lang="en-US" sz="2200" dirty="0"/>
-          </a:p>
-          <a:p>
-            <a:pPr marL="0" indent="0">
-              <a:buNone/>
-            </a:pPr>
-            <a:r>
-              <a:rPr lang="en-US" sz="2200" kern="1200" dirty="0">
-                <a:latin typeface="+mn-lt"/>
-                <a:ea typeface="+mn-ea"/>
-                <a:cs typeface="+mn-cs"/>
-              </a:rPr>
-              <a:t>Code written in python ide</a:t>
-            </a:r>
-          </a:p>
-        </p:txBody>
-      </p:sp>
-      <p:sp>
-        <p:nvSpPr>
-          <p:cNvPr id="4" name="Date Placeholder 3">
-            <a:extLst>
-              <a:ext uri="{FF2B5EF4-FFF2-40B4-BE49-F238E27FC236}">
-                <a16:creationId xmlns:a16="http://schemas.microsoft.com/office/drawing/2014/main" id="{76BB04DB-55E6-C044-A24D-B85C29EF8240}"/>
-              </a:ext>
-            </a:extLst>
-          </p:cNvPr>
-          <p:cNvSpPr>
-            <a:spLocks noGrp="1"/>
-          </p:cNvSpPr>
-          <p:nvPr>
-            <p:ph type="dt" sz="half" idx="10"/>
-          </p:nvPr>
-        </p:nvSpPr>
-        <p:spPr>
-          <a:xfrm>
-            <a:off x="838200" y="6356350"/>
-            <a:ext cx="2743200" cy="365125"/>
-          </a:xfrm>
-        </p:spPr>
-        <p:txBody>
-          <a:bodyPr vert="horz" lIns="91440" tIns="45720" rIns="91440" bIns="45720" rtlCol="0">
-            <a:normAutofit/>
-          </a:bodyPr>
-          <a:lstStyle/>
-          <a:p>
-            <a:pPr>
+            <a:pPr algn="ctr">
               <a:spcAft>
                 <a:spcPts val="600"/>
               </a:spcAft>
             </a:pPr>
             <a:fld id="{85A80B37-905A-A743-A91C-A605D6B805A7}" type="datetime1">
-              <a:rPr lang="en-US"/>
-              <a:pPr>
+              <a:rPr lang="en-US" sz="1000"/>
+              <a:pPr algn="ctr">
                 <a:spcAft>
                   <a:spcPts val="600"/>
                 </a:spcAft>
               </a:pPr>
               <a:t>10/12/20</a:t>
             </a:fld>
-            <a:endParaRPr lang="en-US"/>
-          </a:p>
-        </p:txBody>
-      </p:sp>
-      <p:sp>
-        <p:nvSpPr>
-          <p:cNvPr id="5" name="Footer Placeholder 4">
-            <a:extLst>
-              <a:ext uri="{FF2B5EF4-FFF2-40B4-BE49-F238E27FC236}">
-                <a16:creationId xmlns:a16="http://schemas.microsoft.com/office/drawing/2014/main" id="{4B77F4D3-F323-9C40-8BD6-A565E69DE18B}"/>
-              </a:ext>
-            </a:extLst>
-          </p:cNvPr>
-          <p:cNvSpPr>
-            <a:spLocks noGrp="1"/>
-          </p:cNvSpPr>
-          <p:nvPr>
-            <p:ph type="ftr" sz="quarter" idx="11"/>
+            <a:endParaRPr lang="en-US" sz="1000"/>
+          </a:p>
+        </p:txBody>
+      </p:sp>
+      <p:sp>
+        <p:nvSpPr>
+          <p:cNvPr id="7" name="Content Placeholder 6">
+            <a:extLst>
+              <a:ext uri="{FF2B5EF4-FFF2-40B4-BE49-F238E27FC236}">
+                <a16:creationId xmlns:a16="http://schemas.microsoft.com/office/drawing/2014/main" id="{2F6C79DC-0AE9-6A47-95D0-4B5D9AA5BDF0}"/>
+              </a:ext>
+            </a:extLst>
+          </p:cNvPr>
+          <p:cNvSpPr>
+            <a:spLocks noGrp="1"/>
+          </p:cNvSpPr>
+          <p:nvPr>
+            <p:ph idx="1"/>
           </p:nvPr>
         </p:nvSpPr>
         <p:spPr>
           <a:xfrm>
-            <a:off x="4038600" y="6356350"/>
-            <a:ext cx="4114800" cy="365125"/>
+            <a:off x="8298770" y="2059200"/>
+            <a:ext cx="3342368" cy="3783015"/>
+          </a:xfrm>
+        </p:spPr>
+        <p:txBody>
+          <a:bodyPr vert="horz" lIns="91440" tIns="45720" rIns="91440" bIns="45720" rtlCol="0" anchor="t">
+            <a:normAutofit/>
+          </a:bodyPr>
+          <a:lstStyle/>
+          <a:p>
+            <a:pPr marL="0" indent="0">
+              <a:buNone/>
+            </a:pPr>
+            <a:endParaRPr lang="en-US" sz="2000" kern="1200">
+              <a:solidFill>
+                <a:schemeClr val="tx1">
+                  <a:alpha val="60000"/>
+                </a:schemeClr>
+              </a:solidFill>
+              <a:latin typeface="+mn-lt"/>
+              <a:ea typeface="+mn-ea"/>
+              <a:cs typeface="+mn-cs"/>
+            </a:endParaRPr>
+          </a:p>
+          <a:p>
+            <a:pPr marL="0" indent="0">
+              <a:buNone/>
+            </a:pPr>
+            <a:endParaRPr lang="en-US" sz="2000">
+              <a:solidFill>
+                <a:schemeClr val="tx1">
+                  <a:alpha val="60000"/>
+                </a:schemeClr>
+              </a:solidFill>
+            </a:endParaRPr>
+          </a:p>
+          <a:p>
+            <a:pPr marL="0" indent="0">
+              <a:buNone/>
+            </a:pPr>
+            <a:r>
+              <a:rPr lang="en-US" sz="2000" kern="1200">
+                <a:solidFill>
+                  <a:schemeClr val="tx1">
+                    <a:alpha val="60000"/>
+                  </a:schemeClr>
+                </a:solidFill>
+                <a:latin typeface="+mn-lt"/>
+                <a:ea typeface="+mn-ea"/>
+                <a:cs typeface="+mn-cs"/>
+              </a:rPr>
+              <a:t>Code written in python ide</a:t>
+            </a:r>
+          </a:p>
+        </p:txBody>
+      </p:sp>
+      <p:sp>
+        <p:nvSpPr>
+          <p:cNvPr id="5" name="Footer Placeholder 4">
+            <a:extLst>
+              <a:ext uri="{FF2B5EF4-FFF2-40B4-BE49-F238E27FC236}">
+                <a16:creationId xmlns:a16="http://schemas.microsoft.com/office/drawing/2014/main" id="{4B77F4D3-F323-9C40-8BD6-A565E69DE18B}"/>
+              </a:ext>
+            </a:extLst>
+          </p:cNvPr>
+          <p:cNvSpPr>
+            <a:spLocks noGrp="1"/>
+          </p:cNvSpPr>
+          <p:nvPr>
+            <p:ph type="ftr" sz="quarter" idx="11"/>
+          </p:nvPr>
+        </p:nvSpPr>
+        <p:spPr>
+          <a:xfrm>
+            <a:off x="550862" y="6307200"/>
+            <a:ext cx="11090275" cy="550800"/>
           </a:xfrm>
         </p:spPr>
         <p:txBody>
@@ -5392,7 +5593,7 @@
               </a:spcAft>
             </a:pPr>
             <a:r>
-              <a:rPr lang="en-US" kern="1200">
+              <a:rPr lang="en-US" sz="1000" kern="1200">
                 <a:latin typeface="+mn-lt"/>
                 <a:ea typeface="+mn-ea"/>
                 <a:cs typeface="+mn-cs"/>
@@ -5419,9 +5620,9 @@
           </p:nvPr>
         </p:nvSpPr>
         <p:spPr>
-          <a:xfrm>
-            <a:off x="8610600" y="6356350"/>
-            <a:ext cx="2743200" cy="365125"/>
+          <a:xfrm rot="5400000">
+            <a:off x="9033635" y="3148837"/>
+            <a:ext cx="5768976" cy="550800"/>
           </a:xfrm>
         </p:spPr>
         <p:txBody>
@@ -5430,54 +5631,24 @@
           </a:bodyPr>
           <a:lstStyle/>
           <a:p>
-            <a:pPr>
+            <a:pPr algn="ctr">
               <a:spcAft>
                 <a:spcPts val="600"/>
               </a:spcAft>
             </a:pPr>
             <a:fld id="{3276C40E-97DB-2248-A55E-B7EA991DACFB}" type="slidenum">
-              <a:rPr lang="en-US"/>
-              <a:pPr>
+              <a:rPr lang="en-US" sz="1000"/>
+              <a:pPr algn="ctr">
                 <a:spcAft>
                   <a:spcPts val="600"/>
                 </a:spcAft>
               </a:pPr>
               <a:t>3</a:t>
             </a:fld>
-            <a:endParaRPr lang="en-US"/>
-          </a:p>
-        </p:txBody>
-      </p:sp>
-      <p:pic>
-        <p:nvPicPr>
-          <p:cNvPr id="8" name="Picture 7" descr="Graphical user interface, text, application&#10;&#10;Description automatically generated">
-            <a:extLst>
-              <a:ext uri="{FF2B5EF4-FFF2-40B4-BE49-F238E27FC236}">
-                <a16:creationId xmlns:a16="http://schemas.microsoft.com/office/drawing/2014/main" id="{FEF98281-4323-804C-8F66-5252D2B6E4B2}"/>
-              </a:ext>
-            </a:extLst>
-          </p:cNvPr>
-          <p:cNvPicPr>
-            <a:picLocks noChangeAspect="1"/>
-          </p:cNvPicPr>
-          <p:nvPr/>
-        </p:nvPicPr>
-        <p:blipFill>
-          <a:blip r:embed="rId2"/>
-          <a:stretch>
-            <a:fillRect/>
-          </a:stretch>
-        </p:blipFill>
-        <p:spPr>
-          <a:xfrm>
-            <a:off x="548639" y="2328227"/>
-            <a:ext cx="8276462" cy="4380638"/>
-          </a:xfrm>
-          <a:prstGeom prst="rect">
-            <a:avLst/>
-          </a:prstGeom>
-        </p:spPr>
-      </p:pic>
+            <a:endParaRPr lang="en-US" sz="1000"/>
+          </a:p>
+        </p:txBody>
+      </p:sp>
     </p:spTree>
     <p:extLst>
       <p:ext uri="{BB962C8B-B14F-4D97-AF65-F5344CB8AC3E}">
@@ -5518,10 +5689,10 @@
       </p:grpSpPr>
       <p:sp useBgFill="1">
         <p:nvSpPr>
-          <p:cNvPr id="108" name="Rectangle 107">
-            <a:extLst>
-              <a:ext uri="{FF2B5EF4-FFF2-40B4-BE49-F238E27FC236}">
-                <a16:creationId xmlns:a16="http://schemas.microsoft.com/office/drawing/2014/main" id="{0671A8AE-40A1-4631-A6B8-581AFF065482}"/>
+          <p:cNvPr id="119" name="Rectangle 118">
+            <a:extLst>
+              <a:ext uri="{FF2B5EF4-FFF2-40B4-BE49-F238E27FC236}">
+                <a16:creationId xmlns:a16="http://schemas.microsoft.com/office/drawing/2014/main" id="{E45B1D5C-0827-4AF0-8186-11FC5A8B8B92}"/>
               </a:ext>
               <a:ext uri="{C183D7F6-B498-43B3-948B-1728B52AA6E4}">
                 <adec:decorative xmlns:adec="http://schemas.microsoft.com/office/drawing/2017/decorative" val="1"/>
@@ -5542,7 +5713,7 @@
         <p:spPr>
           <a:xfrm>
             <a:off x="0" y="0"/>
-            <a:ext cx="12192000" cy="6858000"/>
+            <a:ext cx="12191999" cy="6857365"/>
           </a:xfrm>
           <a:prstGeom prst="rect">
             <a:avLst/>
@@ -5576,41 +5747,85 @@
           </a:p>
         </p:txBody>
       </p:sp>
-      <p:pic>
-        <p:nvPicPr>
-          <p:cNvPr id="9" name="Picture 8" descr="A picture containing stereo, remote, computer&#10;&#10;Description automatically generated">
-            <a:extLst>
-              <a:ext uri="{FF2B5EF4-FFF2-40B4-BE49-F238E27FC236}">
-                <a16:creationId xmlns:a16="http://schemas.microsoft.com/office/drawing/2014/main" id="{20F007DA-2E86-3842-BE0A-5ADB15EAC46D}"/>
-              </a:ext>
-            </a:extLst>
-          </p:cNvPr>
-          <p:cNvPicPr>
-            <a:picLocks noChangeAspect="1"/>
-          </p:cNvPicPr>
-          <p:nvPr/>
-        </p:nvPicPr>
-        <p:blipFill rotWithShape="1">
-          <a:blip r:embed="rId2"/>
-          <a:srcRect t="2174" r="9424" b="-1"/>
-          <a:stretch/>
-        </p:blipFill>
+      <p:sp>
+        <p:nvSpPr>
+          <p:cNvPr id="2" name="Title 1">
+            <a:extLst>
+              <a:ext uri="{FF2B5EF4-FFF2-40B4-BE49-F238E27FC236}">
+                <a16:creationId xmlns:a16="http://schemas.microsoft.com/office/drawing/2014/main" id="{09568CDD-94B7-0546-B7BE-338FF3C1F839}"/>
+              </a:ext>
+            </a:extLst>
+          </p:cNvPr>
+          <p:cNvSpPr>
+            <a:spLocks noGrp="1"/>
+          </p:cNvSpPr>
+          <p:nvPr>
+            <p:ph type="title"/>
+          </p:nvPr>
+        </p:nvSpPr>
         <p:spPr>
           <a:xfrm>
-            <a:off x="3523488" y="10"/>
-            <a:ext cx="8668512" cy="6857990"/>
+            <a:off x="9267909" y="2023110"/>
+            <a:ext cx="2469624" cy="2846070"/>
           </a:xfrm>
-          <a:prstGeom prst="rect">
-            <a:avLst/>
-          </a:prstGeom>
         </p:spPr>
-      </p:pic>
-      <p:sp>
-        <p:nvSpPr>
-          <p:cNvPr id="110" name="Rectangle 109">
-            <a:extLst>
-              <a:ext uri="{FF2B5EF4-FFF2-40B4-BE49-F238E27FC236}">
-                <a16:creationId xmlns:a16="http://schemas.microsoft.com/office/drawing/2014/main" id="{AB58EF07-17C2-48CF-ABB0-EEF1F17CB8F0}"/>
+        <p:txBody>
+          <a:bodyPr vert="horz" lIns="91440" tIns="45720" rIns="91440" bIns="45720" rtlCol="0" anchor="ctr">
+            <a:normAutofit/>
+          </a:bodyPr>
+          <a:lstStyle/>
+          <a:p>
+            <a:r>
+              <a:rPr lang="en-US" sz="3700"/>
+              <a:t>output</a:t>
+            </a:r>
+          </a:p>
+        </p:txBody>
+      </p:sp>
+      <p:sp>
+        <p:nvSpPr>
+          <p:cNvPr id="7" name="Content Placeholder 6">
+            <a:extLst>
+              <a:ext uri="{FF2B5EF4-FFF2-40B4-BE49-F238E27FC236}">
+                <a16:creationId xmlns:a16="http://schemas.microsoft.com/office/drawing/2014/main" id="{2F6C79DC-0AE9-6A47-95D0-4B5D9AA5BDF0}"/>
+              </a:ext>
+            </a:extLst>
+          </p:cNvPr>
+          <p:cNvSpPr>
+            <a:spLocks noGrp="1"/>
+          </p:cNvSpPr>
+          <p:nvPr>
+            <p:ph idx="1"/>
+          </p:nvPr>
+        </p:nvSpPr>
+        <p:spPr>
+          <a:xfrm>
+            <a:off x="9267908" y="5086350"/>
+            <a:ext cx="2446465" cy="1178298"/>
+          </a:xfrm>
+        </p:spPr>
+        <p:txBody>
+          <a:bodyPr vert="horz" lIns="91440" tIns="45720" rIns="91440" bIns="45720" rtlCol="0">
+            <a:normAutofit/>
+          </a:bodyPr>
+          <a:lstStyle/>
+          <a:p>
+            <a:pPr marL="0" indent="0">
+              <a:buNone/>
+            </a:pPr>
+            <a:r>
+              <a:rPr lang="en-US" sz="1600"/>
+              <a:t>From python ide</a:t>
+            </a:r>
+          </a:p>
+        </p:txBody>
+      </p:sp>
+      <p:sp>
+        <p:nvSpPr>
+          <p:cNvPr id="121" name="Rectangle 120">
+            <a:extLst>
+              <a:ext uri="{FF2B5EF4-FFF2-40B4-BE49-F238E27FC236}">
+                <a16:creationId xmlns:a16="http://schemas.microsoft.com/office/drawing/2014/main" id="{99413ED5-9ED4-4772-BCE4-2BCAE6B12E35}"/>
               </a:ext>
               <a:ext uri="{C183D7F6-B498-43B3-948B-1728B52AA6E4}">
                 <adec:decorative xmlns:adec="http://schemas.microsoft.com/office/drawing/2017/decorative" val="1"/>
@@ -5629,169 +5844,15 @@
           </p:nvPr>
         </p:nvSpPr>
         <p:spPr>
-          <a:xfrm>
-            <a:off x="3" y="0"/>
-            <a:ext cx="9339206" cy="6858000"/>
-          </a:xfrm>
-          <a:prstGeom prst="rect">
-            <a:avLst/>
-          </a:prstGeom>
-          <a:gradFill>
-            <a:gsLst>
-              <a:gs pos="58000">
-                <a:schemeClr val="bg1"/>
-              </a:gs>
-              <a:gs pos="33000">
-                <a:schemeClr val="bg1">
-                  <a:alpha val="64000"/>
-                </a:schemeClr>
-              </a:gs>
-              <a:gs pos="0">
-                <a:schemeClr val="bg1">
-                  <a:alpha val="0"/>
-                </a:schemeClr>
-              </a:gs>
-              <a:gs pos="100000">
-                <a:schemeClr val="bg1"/>
-              </a:gs>
-            </a:gsLst>
-            <a:lin ang="10800000" scaled="0"/>
-          </a:gradFill>
-          <a:ln>
-            <a:noFill/>
-          </a:ln>
-        </p:spPr>
-        <p:style>
-          <a:lnRef idx="2">
-            <a:schemeClr val="accent1">
-              <a:shade val="50000"/>
-            </a:schemeClr>
-          </a:lnRef>
-          <a:fillRef idx="1">
-            <a:schemeClr val="accent1"/>
-          </a:fillRef>
-          <a:effectRef idx="0">
-            <a:schemeClr val="accent1"/>
-          </a:effectRef>
-          <a:fontRef idx="minor">
-            <a:schemeClr val="lt1"/>
-          </a:fontRef>
-        </p:style>
-        <p:txBody>
-          <a:bodyPr rtlCol="0" anchor="ctr"/>
-          <a:lstStyle/>
-          <a:p>
-            <a:pPr algn="ctr"/>
-            <a:endParaRPr lang="en-US" dirty="0"/>
-          </a:p>
-        </p:txBody>
-      </p:sp>
-      <p:sp>
-        <p:nvSpPr>
-          <p:cNvPr id="2" name="Title 1">
-            <a:extLst>
-              <a:ext uri="{FF2B5EF4-FFF2-40B4-BE49-F238E27FC236}">
-                <a16:creationId xmlns:a16="http://schemas.microsoft.com/office/drawing/2014/main" id="{09568CDD-94B7-0546-B7BE-338FF3C1F839}"/>
-              </a:ext>
-            </a:extLst>
-          </p:cNvPr>
-          <p:cNvSpPr>
-            <a:spLocks noGrp="1"/>
-          </p:cNvSpPr>
-          <p:nvPr>
-            <p:ph type="title"/>
-          </p:nvPr>
-        </p:nvSpPr>
-        <p:spPr>
-          <a:xfrm>
-            <a:off x="477981" y="1122363"/>
-            <a:ext cx="4023360" cy="3204134"/>
-          </a:xfrm>
-        </p:spPr>
-        <p:txBody>
-          <a:bodyPr vert="horz" lIns="91440" tIns="45720" rIns="91440" bIns="45720" rtlCol="0" anchor="b">
-            <a:normAutofit/>
-          </a:bodyPr>
-          <a:lstStyle/>
-          <a:p>
-            <a:r>
-              <a:rPr lang="en-US" sz="4800"/>
-              <a:t>output</a:t>
-            </a:r>
-          </a:p>
-        </p:txBody>
-      </p:sp>
-      <p:sp>
-        <p:nvSpPr>
-          <p:cNvPr id="7" name="Content Placeholder 6">
-            <a:extLst>
-              <a:ext uri="{FF2B5EF4-FFF2-40B4-BE49-F238E27FC236}">
-                <a16:creationId xmlns:a16="http://schemas.microsoft.com/office/drawing/2014/main" id="{2F6C79DC-0AE9-6A47-95D0-4B5D9AA5BDF0}"/>
-              </a:ext>
-            </a:extLst>
-          </p:cNvPr>
-          <p:cNvSpPr>
-            <a:spLocks noGrp="1"/>
-          </p:cNvSpPr>
-          <p:nvPr>
-            <p:ph idx="1"/>
-          </p:nvPr>
-        </p:nvSpPr>
-        <p:spPr>
-          <a:xfrm>
-            <a:off x="477980" y="4872922"/>
-            <a:ext cx="4023359" cy="1208141"/>
-          </a:xfrm>
-        </p:spPr>
-        <p:txBody>
-          <a:bodyPr vert="horz" lIns="91440" tIns="45720" rIns="91440" bIns="45720" rtlCol="0">
-            <a:normAutofit/>
-          </a:bodyPr>
-          <a:lstStyle/>
-          <a:p>
-            <a:pPr marL="0" indent="0">
-              <a:buNone/>
-            </a:pPr>
-            <a:r>
-              <a:rPr lang="en-US" sz="2000"/>
-              <a:t>From python ide</a:t>
-            </a:r>
-          </a:p>
-        </p:txBody>
-      </p:sp>
-      <p:sp>
-        <p:nvSpPr>
-          <p:cNvPr id="112" name="Rectangle 111">
-            <a:extLst>
-              <a:ext uri="{FF2B5EF4-FFF2-40B4-BE49-F238E27FC236}">
-                <a16:creationId xmlns:a16="http://schemas.microsoft.com/office/drawing/2014/main" id="{AF2F604E-43BE-4DC3-B983-E071523364F8}"/>
-              </a:ext>
-              <a:ext uri="{C183D7F6-B498-43B3-948B-1728B52AA6E4}">
-                <adec:decorative xmlns:adec="http://schemas.microsoft.com/office/drawing/2017/decorative" val="1"/>
-              </a:ext>
-            </a:extLst>
-          </p:cNvPr>
-          <p:cNvSpPr>
-            <a:spLocks noGrp="1" noRot="1" noChangeAspect="1" noMove="1" noResize="1" noEditPoints="1" noAdjustHandles="1" noChangeArrowheads="1" noChangeShapeType="1" noTextEdit="1"/>
-          </p:cNvSpPr>
-          <p:nvPr>
-            <p:extLst>
-              <p:ext uri="{386F3935-93C4-4BCD-93E2-E3B085C9AB24}">
-                <p16:designElem xmlns:p16="http://schemas.microsoft.com/office/powerpoint/2015/main" val="1"/>
-              </p:ext>
-            </p:extLst>
-          </p:nvPr>
-        </p:nvSpPr>
-        <p:spPr>
-          <a:xfrm rot="5400000">
-            <a:off x="759921" y="346791"/>
-            <a:ext cx="146304" cy="704088"/>
+          <a:xfrm rot="16200000">
+            <a:off x="3433973" y="-827233"/>
+            <a:ext cx="1715478" cy="8583421"/>
           </a:xfrm>
           <a:prstGeom prst="rect">
             <a:avLst/>
           </a:prstGeom>
           <a:solidFill>
-            <a:schemeClr val="accent2"/>
+            <a:schemeClr val="accent4"/>
           </a:solidFill>
           <a:ln>
             <a:noFill/>
@@ -5818,21 +5879,16 @@
           <a:lstStyle/>
           <a:p>
             <a:pPr algn="ctr"/>
-            <a:endParaRPr lang="en-US">
-              <a:solidFill>
-                <a:prstClr val="white"/>
-              </a:solidFill>
-              <a:latin typeface="Calibri" panose="020F0502020204030204"/>
-            </a:endParaRPr>
-          </a:p>
-        </p:txBody>
-      </p:sp>
-      <p:sp>
-        <p:nvSpPr>
-          <p:cNvPr id="114" name="Rectangle 113">
-            <a:extLst>
-              <a:ext uri="{FF2B5EF4-FFF2-40B4-BE49-F238E27FC236}">
-                <a16:creationId xmlns:a16="http://schemas.microsoft.com/office/drawing/2014/main" id="{08C9B587-E65E-4B52-B37C-ABEBB6E87928}"/>
+            <a:endParaRPr lang="en-US" dirty="0"/>
+          </a:p>
+        </p:txBody>
+      </p:sp>
+      <p:sp>
+        <p:nvSpPr>
+          <p:cNvPr id="123" name="Rectangle 122">
+            <a:extLst>
+              <a:ext uri="{FF2B5EF4-FFF2-40B4-BE49-F238E27FC236}">
+                <a16:creationId xmlns:a16="http://schemas.microsoft.com/office/drawing/2014/main" id="{04357C93-F0CB-4A1C-8F77-4E9063789819}"/>
               </a:ext>
               <a:ext uri="{C183D7F6-B498-43B3-948B-1728B52AA6E4}">
                 <adec:decorative xmlns:adec="http://schemas.microsoft.com/office/drawing/2017/decorative" val="1"/>
@@ -5852,19 +5908,25 @@
         </p:nvSpPr>
         <p:spPr>
           <a:xfrm>
-            <a:off x="481029" y="4546920"/>
-            <a:ext cx="3977640" cy="18288"/>
+            <a:off x="302085" y="664308"/>
+            <a:ext cx="8082632" cy="5600340"/>
           </a:xfrm>
           <a:prstGeom prst="rect">
             <a:avLst/>
           </a:prstGeom>
           <a:solidFill>
-            <a:schemeClr val="tx1"/>
+            <a:schemeClr val="bg1"/>
           </a:solidFill>
-          <a:ln w="3175">
+          <a:ln>
             <a:noFill/>
           </a:ln>
-          <a:effectLst/>
+          <a:effectLst>
+            <a:outerShdw blurRad="139700" dist="127000" dir="5400000" algn="t" rotWithShape="0">
+              <a:prstClr val="black">
+                <a:alpha val="15000"/>
+              </a:prstClr>
+            </a:outerShdw>
+          </a:effectLst>
         </p:spPr>
         <p:style>
           <a:lnRef idx="2">
@@ -5886,60 +5948,123 @@
           <a:bodyPr rtlCol="0" anchor="ctr"/>
           <a:lstStyle/>
           <a:p>
-            <a:pPr marL="0" marR="0" lvl="0" indent="0" algn="ctr" defTabSz="914400" rtl="0" eaLnBrk="1" fontAlgn="auto" latinLnBrk="0" hangingPunct="1">
-              <a:lnSpc>
-                <a:spcPct val="100000"/>
-              </a:lnSpc>
-              <a:spcBef>
-                <a:spcPts val="0"/>
-              </a:spcBef>
-              <a:spcAft>
-                <a:spcPts val="0"/>
-              </a:spcAft>
-              <a:buClrTx/>
-              <a:buSzTx/>
-              <a:buFontTx/>
-              <a:buNone/>
-              <a:tabLst/>
-              <a:defRPr/>
-            </a:pPr>
-            <a:endParaRPr kumimoji="0" lang="en-US" sz="1800" b="0" i="0" u="none" strike="noStrike" kern="1200" cap="none" spc="0" normalizeH="0" baseline="0" noProof="0">
-              <a:ln>
-                <a:noFill/>
-              </a:ln>
-              <a:solidFill>
-                <a:prstClr val="white"/>
-              </a:solidFill>
-              <a:effectLst/>
-              <a:uLnTx/>
-              <a:uFillTx/>
-              <a:latin typeface="Calibri" panose="020F0502020204030204"/>
-              <a:ea typeface="+mn-ea"/>
-              <a:cs typeface="+mn-cs"/>
-            </a:endParaRPr>
-          </a:p>
-        </p:txBody>
-      </p:sp>
-      <p:sp>
-        <p:nvSpPr>
-          <p:cNvPr id="4" name="Date Placeholder 3">
-            <a:extLst>
-              <a:ext uri="{FF2B5EF4-FFF2-40B4-BE49-F238E27FC236}">
-                <a16:creationId xmlns:a16="http://schemas.microsoft.com/office/drawing/2014/main" id="{76BB04DB-55E6-C044-A24D-B85C29EF8240}"/>
-              </a:ext>
-            </a:extLst>
-          </p:cNvPr>
-          <p:cNvSpPr>
-            <a:spLocks noGrp="1"/>
-          </p:cNvSpPr>
-          <p:nvPr>
-            <p:ph type="dt" sz="half" idx="10"/>
-          </p:nvPr>
-        </p:nvSpPr>
+            <a:pPr algn="ctr"/>
+            <a:endParaRPr lang="en-US"/>
+          </a:p>
+        </p:txBody>
+      </p:sp>
+      <p:pic>
+        <p:nvPicPr>
+          <p:cNvPr id="11" name="Picture 10" descr="Chart, bubble chart&#10;&#10;Description automatically generated">
+            <a:extLst>
+              <a:ext uri="{FF2B5EF4-FFF2-40B4-BE49-F238E27FC236}">
+                <a16:creationId xmlns:a16="http://schemas.microsoft.com/office/drawing/2014/main" id="{50124DF2-C8F1-AB46-9108-4963F785BAFF}"/>
+              </a:ext>
+            </a:extLst>
+          </p:cNvPr>
+          <p:cNvPicPr>
+            <a:picLocks noChangeAspect="1"/>
+          </p:cNvPicPr>
+          <p:nvPr/>
+        </p:nvPicPr>
+        <p:blipFill rotWithShape="1">
+          <a:blip r:embed="rId2"/>
+          <a:srcRect r="1" b="361"/>
+          <a:stretch/>
+        </p:blipFill>
         <p:spPr>
           <a:xfrm>
-            <a:off x="477981" y="6356350"/>
-            <a:ext cx="1214339" cy="365125"/>
+            <a:off x="545238" y="858525"/>
+            <a:ext cx="7608304" cy="5211906"/>
+          </a:xfrm>
+          <a:prstGeom prst="rect">
+            <a:avLst/>
+          </a:prstGeom>
+        </p:spPr>
+      </p:pic>
+      <p:sp>
+        <p:nvSpPr>
+          <p:cNvPr id="125" name="Rectangle 124">
+            <a:extLst>
+              <a:ext uri="{FF2B5EF4-FFF2-40B4-BE49-F238E27FC236}">
+                <a16:creationId xmlns:a16="http://schemas.microsoft.com/office/drawing/2014/main" id="{90F533E9-6690-41A8-A372-4C6C622D028D}"/>
+              </a:ext>
+              <a:ext uri="{C183D7F6-B498-43B3-948B-1728B52AA6E4}">
+                <adec:decorative xmlns:adec="http://schemas.microsoft.com/office/drawing/2017/decorative" val="1"/>
+              </a:ext>
+            </a:extLst>
+          </p:cNvPr>
+          <p:cNvSpPr>
+            <a:spLocks noGrp="1" noRot="1" noChangeAspect="1" noMove="1" noResize="1" noEditPoints="1" noAdjustHandles="1" noChangeArrowheads="1" noChangeShapeType="1" noTextEdit="1"/>
+          </p:cNvSpPr>
+          <p:nvPr>
+            <p:extLst>
+              <p:ext uri="{386F3935-93C4-4BCD-93E2-E3B085C9AB24}">
+                <p16:designElem xmlns:p16="http://schemas.microsoft.com/office/powerpoint/2015/main" val="1"/>
+              </p:ext>
+            </p:extLst>
+          </p:nvPr>
+        </p:nvSpPr>
+        <p:spPr>
+          <a:xfrm rot="5400000">
+            <a:off x="7950447" y="3392097"/>
+            <a:ext cx="1719072" cy="152382"/>
+          </a:xfrm>
+          <a:prstGeom prst="rect">
+            <a:avLst/>
+          </a:prstGeom>
+          <a:solidFill>
+            <a:schemeClr val="accent4"/>
+          </a:solidFill>
+          <a:ln>
+            <a:noFill/>
+          </a:ln>
+        </p:spPr>
+        <p:style>
+          <a:lnRef idx="2">
+            <a:schemeClr val="accent1">
+              <a:shade val="50000"/>
+            </a:schemeClr>
+          </a:lnRef>
+          <a:fillRef idx="1">
+            <a:schemeClr val="accent1"/>
+          </a:fillRef>
+          <a:effectRef idx="0">
+            <a:schemeClr val="accent1"/>
+          </a:effectRef>
+          <a:fontRef idx="minor">
+            <a:schemeClr val="lt1"/>
+          </a:fontRef>
+        </p:style>
+        <p:txBody>
+          <a:bodyPr rtlCol="0" anchor="ctr"/>
+          <a:lstStyle/>
+          <a:p>
+            <a:pPr algn="ctr"/>
+            <a:endParaRPr lang="en-US"/>
+          </a:p>
+        </p:txBody>
+      </p:sp>
+      <p:sp>
+        <p:nvSpPr>
+          <p:cNvPr id="4" name="Date Placeholder 3">
+            <a:extLst>
+              <a:ext uri="{FF2B5EF4-FFF2-40B4-BE49-F238E27FC236}">
+                <a16:creationId xmlns:a16="http://schemas.microsoft.com/office/drawing/2014/main" id="{76BB04DB-55E6-C044-A24D-B85C29EF8240}"/>
+              </a:ext>
+            </a:extLst>
+          </p:cNvPr>
+          <p:cNvSpPr>
+            <a:spLocks noGrp="1"/>
+          </p:cNvSpPr>
+          <p:nvPr>
+            <p:ph type="dt" sz="half" idx="10"/>
+          </p:nvPr>
+        </p:nvSpPr>
+        <p:spPr>
+          <a:xfrm>
+            <a:off x="545238" y="6492240"/>
+            <a:ext cx="3036162" cy="365125"/>
           </a:xfrm>
         </p:spPr>
         <p:txBody>
@@ -5957,7 +6082,9 @@
             <a:fld id="{85A80B37-905A-A743-A91C-A605D6B805A7}" type="datetime1">
               <a:rPr lang="en-US">
                 <a:solidFill>
-                  <a:schemeClr val="tx1"/>
+                  <a:prstClr val="black">
+                    <a:tint val="75000"/>
+                  </a:prstClr>
                 </a:solidFill>
                 <a:latin typeface="Calibri" panose="020F0502020204030204"/>
               </a:rPr>
@@ -5971,7 +6098,9 @@
             </a:fld>
             <a:endParaRPr lang="en-US">
               <a:solidFill>
-                <a:schemeClr val="tx1"/>
+                <a:prstClr val="black">
+                  <a:tint val="75000"/>
+                </a:prstClr>
               </a:solidFill>
               <a:latin typeface="Calibri" panose="020F0502020204030204"/>
             </a:endParaRPr>
@@ -5996,8 +6125,8 @@
         </p:nvSpPr>
         <p:spPr>
           <a:xfrm>
-            <a:off x="1692321" y="6356350"/>
-            <a:ext cx="2809017" cy="365125"/>
+            <a:off x="4038600" y="6492240"/>
+            <a:ext cx="4114800" cy="365125"/>
           </a:xfrm>
         </p:spPr>
         <p:txBody>
@@ -6006,7 +6135,7 @@
           </a:bodyPr>
           <a:lstStyle/>
           <a:p>
-            <a:pPr algn="r">
+            <a:pPr>
               <a:spcAft>
                 <a:spcPts val="600"/>
               </a:spcAft>
@@ -6015,7 +6144,9 @@
             <a:r>
               <a:rPr lang="en-US" kern="1200">
                 <a:solidFill>
-                  <a:schemeClr val="tx1"/>
+                  <a:prstClr val="black">
+                    <a:tint val="75000"/>
+                  </a:prstClr>
                 </a:solidFill>
                 <a:latin typeface="Calibri" panose="020F0502020204030204"/>
                 <a:ea typeface="+mn-ea"/>
@@ -6044,8 +6175,8 @@
         </p:nvSpPr>
         <p:spPr>
           <a:xfrm>
-            <a:off x="8970819" y="6356350"/>
-            <a:ext cx="2743200" cy="365125"/>
+            <a:off x="8610599" y="6492240"/>
+            <a:ext cx="3126933" cy="365125"/>
           </a:xfrm>
           <a:prstGeom prst="ellipse">
             <a:avLst/>
@@ -6069,7 +6200,9 @@
             <a:fld id="{3276C40E-97DB-2248-A55E-B7EA991DACFB}" type="slidenum">
               <a:rPr lang="en-US">
                 <a:solidFill>
-                  <a:schemeClr val="tx1"/>
+                  <a:prstClr val="black">
+                    <a:tint val="75000"/>
+                  </a:prstClr>
                 </a:solidFill>
                 <a:latin typeface="Calibri" panose="020F0502020204030204"/>
               </a:rPr>
@@ -6086,7 +6219,9 @@
             </a:fld>
             <a:endParaRPr lang="en-US">
               <a:solidFill>
-                <a:schemeClr val="tx1"/>
+                <a:prstClr val="black">
+                  <a:tint val="75000"/>
+                </a:prstClr>
               </a:solidFill>
               <a:latin typeface="Calibri" panose="020F0502020204030204"/>
             </a:endParaRPr>
@@ -6133,7 +6268,7 @@
     </p:extLst>
   </p:cSld>
   <p:clrMapOvr>
-    <a:overrideClrMapping bg1="dk1" tx1="lt1" bg2="dk2" tx2="lt2" accent1="accent1" accent2="accent2" accent3="accent3" accent4="accent4" accent5="accent5" accent6="accent6" hlink="hlink" folHlink="folHlink"/>
+    <a:masterClrMapping/>
   </p:clrMapOvr>
 </p:sld>
 </file>
